--- a/Documentacion/ManualNetBeans.pptx
+++ b/Documentacion/ManualNetBeans.pptx
@@ -1664,7 +1664,7 @@
           <a:noFill/>
           <a:extLst>
             <a:ext uri="{909E8E84-426E-40dd-AFC4-6F175D3DCCD1}">
-              <a14:hiddenFill xmlns:a14="http://schemas.microsoft.com/office/drawing/2010/main" xmlns="">
+              <a14:hiddenFill xmlns="" xmlns:a14="http://schemas.microsoft.com/office/drawing/2010/main">
                 <a:solidFill>
                   <a:srgbClr val="FFFFFF"/>
                 </a:solidFill>
@@ -1724,7 +1724,7 @@
             </a:ln>
             <a:extLst>
               <a:ext uri="{91240B29-F687-4f45-9708-019B960494DF}">
-                <a14:hiddenLine xmlns:a14="http://schemas.microsoft.com/office/drawing/2010/main" xmlns="" w="9525">
+                <a14:hiddenLine xmlns="" xmlns:a14="http://schemas.microsoft.com/office/drawing/2010/main" w="9525">
                   <a:solidFill>
                     <a:srgbClr val="000000"/>
                   </a:solidFill>
@@ -1814,7 +1814,7 @@
             </a:ln>
             <a:extLst>
               <a:ext uri="{91240B29-F687-4f45-9708-019B960494DF}">
-                <a14:hiddenLine xmlns:a14="http://schemas.microsoft.com/office/drawing/2010/main" xmlns="" w="9525">
+                <a14:hiddenLine xmlns="" xmlns:a14="http://schemas.microsoft.com/office/drawing/2010/main" w="9525">
                   <a:solidFill>
                     <a:srgbClr val="000000"/>
                   </a:solidFill>
@@ -1904,7 +1904,7 @@
             </a:ln>
             <a:extLst>
               <a:ext uri="{91240B29-F687-4f45-9708-019B960494DF}">
-                <a14:hiddenLine xmlns:a14="http://schemas.microsoft.com/office/drawing/2010/main" xmlns="" w="9525">
+                <a14:hiddenLine xmlns="" xmlns:a14="http://schemas.microsoft.com/office/drawing/2010/main" w="9525">
                   <a:solidFill>
                     <a:srgbClr val="000000"/>
                   </a:solidFill>
@@ -1938,7 +1938,7 @@
             </a:ln>
             <a:extLst>
               <a:ext uri="{91240B29-F687-4f45-9708-019B960494DF}">
-                <a14:hiddenLine xmlns:a14="http://schemas.microsoft.com/office/drawing/2010/main" xmlns="" w="9525">
+                <a14:hiddenLine xmlns="" xmlns:a14="http://schemas.microsoft.com/office/drawing/2010/main" w="9525">
                   <a:solidFill>
                     <a:srgbClr val="000000"/>
                   </a:solidFill>
@@ -2028,7 +2028,7 @@
             </a:ln>
             <a:extLst>
               <a:ext uri="{91240B29-F687-4f45-9708-019B960494DF}">
-                <a14:hiddenLine xmlns:a14="http://schemas.microsoft.com/office/drawing/2010/main" xmlns="" w="9525">
+                <a14:hiddenLine xmlns="" xmlns:a14="http://schemas.microsoft.com/office/drawing/2010/main" w="9525">
                   <a:solidFill>
                     <a:srgbClr val="000000"/>
                   </a:solidFill>
@@ -2090,7 +2090,7 @@
             </a:ln>
             <a:extLst>
               <a:ext uri="{91240B29-F687-4f45-9708-019B960494DF}">
-                <a14:hiddenLine xmlns:a14="http://schemas.microsoft.com/office/drawing/2010/main" xmlns="" w="9525">
+                <a14:hiddenLine xmlns="" xmlns:a14="http://schemas.microsoft.com/office/drawing/2010/main" w="9525">
                   <a:solidFill>
                     <a:srgbClr val="000000"/>
                   </a:solidFill>
@@ -2152,7 +2152,7 @@
             </a:ln>
             <a:extLst>
               <a:ext uri="{91240B29-F687-4f45-9708-019B960494DF}">
-                <a14:hiddenLine xmlns:a14="http://schemas.microsoft.com/office/drawing/2010/main" xmlns="" w="9525">
+                <a14:hiddenLine xmlns="" xmlns:a14="http://schemas.microsoft.com/office/drawing/2010/main" w="9525">
                   <a:solidFill>
                     <a:srgbClr val="000000"/>
                   </a:solidFill>
@@ -2242,7 +2242,7 @@
             </a:ln>
             <a:extLst>
               <a:ext uri="{91240B29-F687-4f45-9708-019B960494DF}">
-                <a14:hiddenLine xmlns:a14="http://schemas.microsoft.com/office/drawing/2010/main" xmlns="" w="9525">
+                <a14:hiddenLine xmlns="" xmlns:a14="http://schemas.microsoft.com/office/drawing/2010/main" w="9525">
                   <a:solidFill>
                     <a:srgbClr val="000000"/>
                   </a:solidFill>
@@ -2304,7 +2304,7 @@
             </a:ln>
             <a:extLst>
               <a:ext uri="{91240B29-F687-4f45-9708-019B960494DF}">
-                <a14:hiddenLine xmlns:a14="http://schemas.microsoft.com/office/drawing/2010/main" xmlns="" w="9525">
+                <a14:hiddenLine xmlns="" xmlns:a14="http://schemas.microsoft.com/office/drawing/2010/main" w="9525">
                   <a:solidFill>
                     <a:srgbClr val="000000"/>
                   </a:solidFill>
@@ -2366,7 +2366,7 @@
             </a:ln>
             <a:extLst>
               <a:ext uri="{91240B29-F687-4f45-9708-019B960494DF}">
-                <a14:hiddenLine xmlns:a14="http://schemas.microsoft.com/office/drawing/2010/main" xmlns="" w="9525">
+                <a14:hiddenLine xmlns="" xmlns:a14="http://schemas.microsoft.com/office/drawing/2010/main" w="9525">
                   <a:solidFill>
                     <a:srgbClr val="000000"/>
                   </a:solidFill>
@@ -2456,7 +2456,7 @@
             </a:ln>
             <a:extLst>
               <a:ext uri="{91240B29-F687-4f45-9708-019B960494DF}">
-                <a14:hiddenLine xmlns:a14="http://schemas.microsoft.com/office/drawing/2010/main" xmlns="" w="9525">
+                <a14:hiddenLine xmlns="" xmlns:a14="http://schemas.microsoft.com/office/drawing/2010/main" w="9525">
                   <a:solidFill>
                     <a:srgbClr val="000000"/>
                   </a:solidFill>
@@ -2546,7 +2546,7 @@
             </a:ln>
             <a:extLst>
               <a:ext uri="{91240B29-F687-4f45-9708-019B960494DF}">
-                <a14:hiddenLine xmlns:a14="http://schemas.microsoft.com/office/drawing/2010/main" xmlns="" w="9525">
+                <a14:hiddenLine xmlns="" xmlns:a14="http://schemas.microsoft.com/office/drawing/2010/main" w="9525">
                   <a:solidFill>
                     <a:srgbClr val="000000"/>
                   </a:solidFill>
@@ -2608,7 +2608,7 @@
             </a:ln>
             <a:extLst>
               <a:ext uri="{91240B29-F687-4f45-9708-019B960494DF}">
-                <a14:hiddenLine xmlns:a14="http://schemas.microsoft.com/office/drawing/2010/main" xmlns="" w="9525">
+                <a14:hiddenLine xmlns="" xmlns:a14="http://schemas.microsoft.com/office/drawing/2010/main" w="9525">
                   <a:solidFill>
                     <a:srgbClr val="000000"/>
                   </a:solidFill>
@@ -2718,7 +2718,7 @@
             </a:ln>
             <a:extLst>
               <a:ext uri="{91240B29-F687-4f45-9708-019B960494DF}">
-                <a14:hiddenLine xmlns:a14="http://schemas.microsoft.com/office/drawing/2010/main" xmlns="" w="9525">
+                <a14:hiddenLine xmlns="" xmlns:a14="http://schemas.microsoft.com/office/drawing/2010/main" w="9525">
                   <a:solidFill>
                     <a:srgbClr val="000000"/>
                   </a:solidFill>
@@ -2780,7 +2780,7 @@
             </a:ln>
             <a:extLst>
               <a:ext uri="{91240B29-F687-4f45-9708-019B960494DF}">
-                <a14:hiddenLine xmlns:a14="http://schemas.microsoft.com/office/drawing/2010/main" xmlns="" w="9525">
+                <a14:hiddenLine xmlns="" xmlns:a14="http://schemas.microsoft.com/office/drawing/2010/main" w="9525">
                   <a:solidFill>
                     <a:srgbClr val="000000"/>
                   </a:solidFill>
@@ -2870,7 +2870,7 @@
             </a:ln>
             <a:extLst>
               <a:ext uri="{91240B29-F687-4f45-9708-019B960494DF}">
-                <a14:hiddenLine xmlns:a14="http://schemas.microsoft.com/office/drawing/2010/main" xmlns="" w="9525">
+                <a14:hiddenLine xmlns="" xmlns:a14="http://schemas.microsoft.com/office/drawing/2010/main" w="9525">
                   <a:solidFill>
                     <a:srgbClr val="000000"/>
                   </a:solidFill>
@@ -2960,7 +2960,7 @@
             </a:ln>
             <a:extLst>
               <a:ext uri="{91240B29-F687-4f45-9708-019B960494DF}">
-                <a14:hiddenLine xmlns:a14="http://schemas.microsoft.com/office/drawing/2010/main" xmlns="" w="9525">
+                <a14:hiddenLine xmlns="" xmlns:a14="http://schemas.microsoft.com/office/drawing/2010/main" w="9525">
                   <a:solidFill>
                     <a:srgbClr val="000000"/>
                   </a:solidFill>
@@ -3022,7 +3022,7 @@
             </a:ln>
             <a:extLst>
               <a:ext uri="{91240B29-F687-4f45-9708-019B960494DF}">
-                <a14:hiddenLine xmlns:a14="http://schemas.microsoft.com/office/drawing/2010/main" xmlns="" w="9525">
+                <a14:hiddenLine xmlns="" xmlns:a14="http://schemas.microsoft.com/office/drawing/2010/main" w="9525">
                   <a:solidFill>
                     <a:srgbClr val="000000"/>
                   </a:solidFill>
@@ -3112,7 +3112,7 @@
             </a:ln>
             <a:extLst>
               <a:ext uri="{91240B29-F687-4f45-9708-019B960494DF}">
-                <a14:hiddenLine xmlns:a14="http://schemas.microsoft.com/office/drawing/2010/main" xmlns="" w="9525">
+                <a14:hiddenLine xmlns="" xmlns:a14="http://schemas.microsoft.com/office/drawing/2010/main" w="9525">
                   <a:solidFill>
                     <a:srgbClr val="000000"/>
                   </a:solidFill>
@@ -3202,7 +3202,7 @@
             </a:ln>
             <a:extLst>
               <a:ext uri="{91240B29-F687-4f45-9708-019B960494DF}">
-                <a14:hiddenLine xmlns:a14="http://schemas.microsoft.com/office/drawing/2010/main" xmlns="" w="9525">
+                <a14:hiddenLine xmlns="" xmlns:a14="http://schemas.microsoft.com/office/drawing/2010/main" w="9525">
                   <a:solidFill>
                     <a:srgbClr val="000000"/>
                   </a:solidFill>
@@ -3258,7 +3258,7 @@
             </a:ln>
             <a:extLst>
               <a:ext uri="{91240B29-F687-4f45-9708-019B960494DF}">
-                <a14:hiddenLine xmlns:a14="http://schemas.microsoft.com/office/drawing/2010/main" xmlns="" w="9525">
+                <a14:hiddenLine xmlns="" xmlns:a14="http://schemas.microsoft.com/office/drawing/2010/main" w="9525">
                   <a:solidFill>
                     <a:srgbClr val="000000"/>
                   </a:solidFill>
@@ -3348,7 +3348,7 @@
             </a:ln>
             <a:extLst>
               <a:ext uri="{91240B29-F687-4f45-9708-019B960494DF}">
-                <a14:hiddenLine xmlns:a14="http://schemas.microsoft.com/office/drawing/2010/main" xmlns="" w="9525">
+                <a14:hiddenLine xmlns="" xmlns:a14="http://schemas.microsoft.com/office/drawing/2010/main" w="9525">
                   <a:solidFill>
                     <a:srgbClr val="000000"/>
                   </a:solidFill>
@@ -3404,7 +3404,7 @@
             </a:ln>
             <a:extLst>
               <a:ext uri="{91240B29-F687-4f45-9708-019B960494DF}">
-                <a14:hiddenLine xmlns:a14="http://schemas.microsoft.com/office/drawing/2010/main" xmlns="" w="9525">
+                <a14:hiddenLine xmlns="" xmlns:a14="http://schemas.microsoft.com/office/drawing/2010/main" w="9525">
                   <a:solidFill>
                     <a:srgbClr val="000000"/>
                   </a:solidFill>
@@ -3494,7 +3494,7 @@
             </a:ln>
             <a:extLst>
               <a:ext uri="{91240B29-F687-4f45-9708-019B960494DF}">
-                <a14:hiddenLine xmlns:a14="http://schemas.microsoft.com/office/drawing/2010/main" xmlns="" w="9525">
+                <a14:hiddenLine xmlns="" xmlns:a14="http://schemas.microsoft.com/office/drawing/2010/main" w="9525">
                   <a:solidFill>
                     <a:srgbClr val="000000"/>
                   </a:solidFill>
@@ -3562,7 +3562,7 @@
             </a:ln>
             <a:extLst>
               <a:ext uri="{91240B29-F687-4f45-9708-019B960494DF}">
-                <a14:hiddenLine xmlns:a14="http://schemas.microsoft.com/office/drawing/2010/main" xmlns="" w="9525">
+                <a14:hiddenLine xmlns="" xmlns:a14="http://schemas.microsoft.com/office/drawing/2010/main" w="9525">
                   <a:solidFill>
                     <a:srgbClr val="000000"/>
                   </a:solidFill>
@@ -3652,7 +3652,7 @@
             </a:ln>
             <a:extLst>
               <a:ext uri="{91240B29-F687-4f45-9708-019B960494DF}">
-                <a14:hiddenLine xmlns:a14="http://schemas.microsoft.com/office/drawing/2010/main" xmlns="" w="9525">
+                <a14:hiddenLine xmlns="" xmlns:a14="http://schemas.microsoft.com/office/drawing/2010/main" w="9525">
                   <a:solidFill>
                     <a:srgbClr val="000000"/>
                   </a:solidFill>
@@ -3720,7 +3720,7 @@
             </a:ln>
             <a:extLst>
               <a:ext uri="{91240B29-F687-4f45-9708-019B960494DF}">
-                <a14:hiddenLine xmlns:a14="http://schemas.microsoft.com/office/drawing/2010/main" xmlns="" w="9525">
+                <a14:hiddenLine xmlns="" xmlns:a14="http://schemas.microsoft.com/office/drawing/2010/main" w="9525">
                   <a:solidFill>
                     <a:srgbClr val="000000"/>
                   </a:solidFill>
@@ -3810,7 +3810,7 @@
             </a:ln>
             <a:extLst>
               <a:ext uri="{91240B29-F687-4f45-9708-019B960494DF}">
-                <a14:hiddenLine xmlns:a14="http://schemas.microsoft.com/office/drawing/2010/main" xmlns="" w="9525">
+                <a14:hiddenLine xmlns="" xmlns:a14="http://schemas.microsoft.com/office/drawing/2010/main" w="9525">
                   <a:solidFill>
                     <a:srgbClr val="000000"/>
                   </a:solidFill>
@@ -3844,7 +3844,7 @@
             </a:ln>
             <a:extLst>
               <a:ext uri="{91240B29-F687-4f45-9708-019B960494DF}">
-                <a14:hiddenLine xmlns:a14="http://schemas.microsoft.com/office/drawing/2010/main" xmlns="" w="9525">
+                <a14:hiddenLine xmlns="" xmlns:a14="http://schemas.microsoft.com/office/drawing/2010/main" w="9525">
                   <a:solidFill>
                     <a:srgbClr val="000000"/>
                   </a:solidFill>
@@ -3934,7 +3934,7 @@
             </a:ln>
             <a:extLst>
               <a:ext uri="{91240B29-F687-4f45-9708-019B960494DF}">
-                <a14:hiddenLine xmlns:a14="http://schemas.microsoft.com/office/drawing/2010/main" xmlns="" w="9525">
+                <a14:hiddenLine xmlns="" xmlns:a14="http://schemas.microsoft.com/office/drawing/2010/main" w="9525">
                   <a:solidFill>
                     <a:srgbClr val="000000"/>
                   </a:solidFill>
@@ -3996,7 +3996,7 @@
             </a:ln>
             <a:extLst>
               <a:ext uri="{91240B29-F687-4f45-9708-019B960494DF}">
-                <a14:hiddenLine xmlns:a14="http://schemas.microsoft.com/office/drawing/2010/main" xmlns="" w="9525">
+                <a14:hiddenLine xmlns="" xmlns:a14="http://schemas.microsoft.com/office/drawing/2010/main" w="9525">
                   <a:solidFill>
                     <a:srgbClr val="000000"/>
                   </a:solidFill>
@@ -4058,7 +4058,7 @@
             </a:ln>
             <a:extLst>
               <a:ext uri="{91240B29-F687-4f45-9708-019B960494DF}">
-                <a14:hiddenLine xmlns:a14="http://schemas.microsoft.com/office/drawing/2010/main" xmlns="" w="9525">
+                <a14:hiddenLine xmlns="" xmlns:a14="http://schemas.microsoft.com/office/drawing/2010/main" w="9525">
                   <a:solidFill>
                     <a:srgbClr val="000000"/>
                   </a:solidFill>
@@ -4148,7 +4148,7 @@
             </a:ln>
             <a:extLst>
               <a:ext uri="{91240B29-F687-4f45-9708-019B960494DF}">
-                <a14:hiddenLine xmlns:a14="http://schemas.microsoft.com/office/drawing/2010/main" xmlns="" w="9525">
+                <a14:hiddenLine xmlns="" xmlns:a14="http://schemas.microsoft.com/office/drawing/2010/main" w="9525">
                   <a:solidFill>
                     <a:srgbClr val="000000"/>
                   </a:solidFill>
@@ -4216,7 +4216,7 @@
             </a:ln>
             <a:extLst>
               <a:ext uri="{91240B29-F687-4f45-9708-019B960494DF}">
-                <a14:hiddenLine xmlns:a14="http://schemas.microsoft.com/office/drawing/2010/main" xmlns="" w="9525">
+                <a14:hiddenLine xmlns="" xmlns:a14="http://schemas.microsoft.com/office/drawing/2010/main" w="9525">
                   <a:solidFill>
                     <a:srgbClr val="000000"/>
                   </a:solidFill>
@@ -4278,7 +4278,7 @@
             </a:ln>
             <a:extLst>
               <a:ext uri="{91240B29-F687-4f45-9708-019B960494DF}">
-                <a14:hiddenLine xmlns:a14="http://schemas.microsoft.com/office/drawing/2010/main" xmlns="" w="9525">
+                <a14:hiddenLine xmlns="" xmlns:a14="http://schemas.microsoft.com/office/drawing/2010/main" w="9525">
                   <a:solidFill>
                     <a:srgbClr val="000000"/>
                   </a:solidFill>
@@ -4368,7 +4368,7 @@
             </a:ln>
             <a:extLst>
               <a:ext uri="{91240B29-F687-4f45-9708-019B960494DF}">
-                <a14:hiddenLine xmlns:a14="http://schemas.microsoft.com/office/drawing/2010/main" xmlns="" w="9525">
+                <a14:hiddenLine xmlns="" xmlns:a14="http://schemas.microsoft.com/office/drawing/2010/main" w="9525">
                   <a:solidFill>
                     <a:srgbClr val="000000"/>
                   </a:solidFill>
@@ -4430,7 +4430,7 @@
             </a:ln>
             <a:extLst>
               <a:ext uri="{91240B29-F687-4f45-9708-019B960494DF}">
-                <a14:hiddenLine xmlns:a14="http://schemas.microsoft.com/office/drawing/2010/main" xmlns="" w="9525">
+                <a14:hiddenLine xmlns="" xmlns:a14="http://schemas.microsoft.com/office/drawing/2010/main" w="9525">
                   <a:solidFill>
                     <a:srgbClr val="000000"/>
                   </a:solidFill>
@@ -4520,7 +4520,7 @@
             </a:ln>
             <a:extLst>
               <a:ext uri="{91240B29-F687-4f45-9708-019B960494DF}">
-                <a14:hiddenLine xmlns:a14="http://schemas.microsoft.com/office/drawing/2010/main" xmlns="" w="9525">
+                <a14:hiddenLine xmlns="" xmlns:a14="http://schemas.microsoft.com/office/drawing/2010/main" w="9525">
                   <a:solidFill>
                     <a:srgbClr val="000000"/>
                   </a:solidFill>
@@ -4582,7 +4582,7 @@
             </a:ln>
             <a:extLst>
               <a:ext uri="{91240B29-F687-4f45-9708-019B960494DF}">
-                <a14:hiddenLine xmlns:a14="http://schemas.microsoft.com/office/drawing/2010/main" xmlns="" w="9525">
+                <a14:hiddenLine xmlns="" xmlns:a14="http://schemas.microsoft.com/office/drawing/2010/main" w="9525">
                   <a:solidFill>
                     <a:srgbClr val="000000"/>
                   </a:solidFill>
@@ -4672,7 +4672,7 @@
             </a:ln>
             <a:extLst>
               <a:ext uri="{91240B29-F687-4f45-9708-019B960494DF}">
-                <a14:hiddenLine xmlns:a14="http://schemas.microsoft.com/office/drawing/2010/main" xmlns="" w="9525">
+                <a14:hiddenLine xmlns="" xmlns:a14="http://schemas.microsoft.com/office/drawing/2010/main" w="9525">
                   <a:solidFill>
                     <a:srgbClr val="000000"/>
                   </a:solidFill>
@@ -4706,7 +4706,7 @@
             </a:ln>
             <a:extLst>
               <a:ext uri="{91240B29-F687-4f45-9708-019B960494DF}">
-                <a14:hiddenLine xmlns:a14="http://schemas.microsoft.com/office/drawing/2010/main" xmlns="" w="9525">
+                <a14:hiddenLine xmlns="" xmlns:a14="http://schemas.microsoft.com/office/drawing/2010/main" w="9525">
                   <a:solidFill>
                     <a:srgbClr val="000000"/>
                   </a:solidFill>
@@ -4771,7 +4771,7 @@
             </a:ln>
             <a:extLst>
               <a:ext uri="{91240B29-F687-4f45-9708-019B960494DF}">
-                <a14:hiddenLine xmlns:a14="http://schemas.microsoft.com/office/drawing/2010/main" xmlns="" w="9525">
+                <a14:hiddenLine xmlns="" xmlns:a14="http://schemas.microsoft.com/office/drawing/2010/main" w="9525">
                   <a:solidFill>
                     <a:srgbClr val="000000"/>
                   </a:solidFill>
@@ -4861,7 +4861,7 @@
             </a:ln>
             <a:extLst>
               <a:ext uri="{91240B29-F687-4f45-9708-019B960494DF}">
-                <a14:hiddenLine xmlns:a14="http://schemas.microsoft.com/office/drawing/2010/main" xmlns="" w="9525">
+                <a14:hiddenLine xmlns="" xmlns:a14="http://schemas.microsoft.com/office/drawing/2010/main" w="9525">
                   <a:solidFill>
                     <a:srgbClr val="000000"/>
                   </a:solidFill>
@@ -4923,7 +4923,7 @@
             </a:ln>
             <a:extLst>
               <a:ext uri="{91240B29-F687-4f45-9708-019B960494DF}">
-                <a14:hiddenLine xmlns:a14="http://schemas.microsoft.com/office/drawing/2010/main" xmlns="" w="9525">
+                <a14:hiddenLine xmlns="" xmlns:a14="http://schemas.microsoft.com/office/drawing/2010/main" w="9525">
                   <a:solidFill>
                     <a:srgbClr val="000000"/>
                   </a:solidFill>
@@ -5013,7 +5013,7 @@
             </a:ln>
             <a:extLst>
               <a:ext uri="{91240B29-F687-4f45-9708-019B960494DF}">
-                <a14:hiddenLine xmlns:a14="http://schemas.microsoft.com/office/drawing/2010/main" xmlns="" w="9525">
+                <a14:hiddenLine xmlns="" xmlns:a14="http://schemas.microsoft.com/office/drawing/2010/main" w="9525">
                   <a:solidFill>
                     <a:srgbClr val="000000"/>
                   </a:solidFill>
@@ -5103,7 +5103,7 @@
             </a:ln>
             <a:extLst>
               <a:ext uri="{91240B29-F687-4f45-9708-019B960494DF}">
-                <a14:hiddenLine xmlns:a14="http://schemas.microsoft.com/office/drawing/2010/main" xmlns="" w="9525">
+                <a14:hiddenLine xmlns="" xmlns:a14="http://schemas.microsoft.com/office/drawing/2010/main" w="9525">
                   <a:solidFill>
                     <a:srgbClr val="000000"/>
                   </a:solidFill>
@@ -5168,7 +5168,7 @@
             </a:ln>
             <a:extLst>
               <a:ext uri="{91240B29-F687-4f45-9708-019B960494DF}">
-                <a14:hiddenLine xmlns:a14="http://schemas.microsoft.com/office/drawing/2010/main" xmlns="" w="9525">
+                <a14:hiddenLine xmlns="" xmlns:a14="http://schemas.microsoft.com/office/drawing/2010/main" w="9525">
                   <a:solidFill>
                     <a:srgbClr val="000000"/>
                   </a:solidFill>
@@ -5230,7 +5230,7 @@
             </a:ln>
             <a:extLst>
               <a:ext uri="{91240B29-F687-4f45-9708-019B960494DF}">
-                <a14:hiddenLine xmlns:a14="http://schemas.microsoft.com/office/drawing/2010/main" xmlns="" w="9525">
+                <a14:hiddenLine xmlns="" xmlns:a14="http://schemas.microsoft.com/office/drawing/2010/main" w="9525">
                   <a:solidFill>
                     <a:srgbClr val="000000"/>
                   </a:solidFill>
@@ -5320,7 +5320,7 @@
             </a:ln>
             <a:extLst>
               <a:ext uri="{91240B29-F687-4f45-9708-019B960494DF}">
-                <a14:hiddenLine xmlns:a14="http://schemas.microsoft.com/office/drawing/2010/main" xmlns="" w="9525">
+                <a14:hiddenLine xmlns="" xmlns:a14="http://schemas.microsoft.com/office/drawing/2010/main" w="9525">
                   <a:solidFill>
                     <a:srgbClr val="000000"/>
                   </a:solidFill>
@@ -5410,7 +5410,7 @@
             </a:ln>
             <a:extLst>
               <a:ext uri="{91240B29-F687-4f45-9708-019B960494DF}">
-                <a14:hiddenLine xmlns:a14="http://schemas.microsoft.com/office/drawing/2010/main" xmlns="" w="9525">
+                <a14:hiddenLine xmlns="" xmlns:a14="http://schemas.microsoft.com/office/drawing/2010/main" w="9525">
                   <a:solidFill>
                     <a:srgbClr val="000000"/>
                   </a:solidFill>
@@ -5472,7 +5472,7 @@
             </a:ln>
             <a:extLst>
               <a:ext uri="{91240B29-F687-4f45-9708-019B960494DF}">
-                <a14:hiddenLine xmlns:a14="http://schemas.microsoft.com/office/drawing/2010/main" xmlns="" w="9525">
+                <a14:hiddenLine xmlns="" xmlns:a14="http://schemas.microsoft.com/office/drawing/2010/main" w="9525">
                   <a:solidFill>
                     <a:srgbClr val="000000"/>
                   </a:solidFill>
@@ -5592,7 +5592,7 @@
             </a:ln>
             <a:extLst>
               <a:ext uri="{91240B29-F687-4f45-9708-019B960494DF}">
-                <a14:hiddenLine xmlns:a14="http://schemas.microsoft.com/office/drawing/2010/main" xmlns="" w="9525">
+                <a14:hiddenLine xmlns="" xmlns:a14="http://schemas.microsoft.com/office/drawing/2010/main" w="9525">
                   <a:solidFill>
                     <a:srgbClr val="000000"/>
                   </a:solidFill>
@@ -5660,7 +5660,7 @@
             </a:ln>
             <a:extLst>
               <a:ext uri="{91240B29-F687-4f45-9708-019B960494DF}">
-                <a14:hiddenLine xmlns:a14="http://schemas.microsoft.com/office/drawing/2010/main" xmlns="" w="9525">
+                <a14:hiddenLine xmlns="" xmlns:a14="http://schemas.microsoft.com/office/drawing/2010/main" w="9525">
                   <a:solidFill>
                     <a:srgbClr val="000000"/>
                   </a:solidFill>
@@ -5750,7 +5750,7 @@
             </a:ln>
             <a:extLst>
               <a:ext uri="{91240B29-F687-4f45-9708-019B960494DF}">
-                <a14:hiddenLine xmlns:a14="http://schemas.microsoft.com/office/drawing/2010/main" xmlns="" w="9525">
+                <a14:hiddenLine xmlns="" xmlns:a14="http://schemas.microsoft.com/office/drawing/2010/main" w="9525">
                   <a:solidFill>
                     <a:srgbClr val="000000"/>
                   </a:solidFill>
@@ -11234,7 +11234,7 @@
           <a:noFill/>
           <a:extLst>
             <a:ext uri="{909E8E84-426E-40dd-AFC4-6F175D3DCCD1}">
-              <a14:hiddenFill xmlns:a14="http://schemas.microsoft.com/office/drawing/2010/main" xmlns="">
+              <a14:hiddenFill xmlns="" xmlns:a14="http://schemas.microsoft.com/office/drawing/2010/main">
                 <a:solidFill>
                   <a:srgbClr val="FFFFFF"/>
                 </a:solidFill>
@@ -11308,7 +11308,7 @@
               </a:ln>
               <a:extLst>
                 <a:ext uri="{91240B29-F687-4f45-9708-019B960494DF}">
-                  <a14:hiddenLine xmlns:a14="http://schemas.microsoft.com/office/drawing/2010/main" xmlns="" w="9525">
+                  <a14:hiddenLine xmlns="" xmlns:a14="http://schemas.microsoft.com/office/drawing/2010/main" w="9525">
                     <a:solidFill>
                       <a:srgbClr val="000000"/>
                     </a:solidFill>
@@ -11398,7 +11398,7 @@
               </a:ln>
               <a:extLst>
                 <a:ext uri="{91240B29-F687-4f45-9708-019B960494DF}">
-                  <a14:hiddenLine xmlns:a14="http://schemas.microsoft.com/office/drawing/2010/main" xmlns="" w="9525">
+                  <a14:hiddenLine xmlns="" xmlns:a14="http://schemas.microsoft.com/office/drawing/2010/main" w="9525">
                     <a:solidFill>
                       <a:srgbClr val="000000"/>
                     </a:solidFill>
@@ -11488,7 +11488,7 @@
               </a:ln>
               <a:extLst>
                 <a:ext uri="{91240B29-F687-4f45-9708-019B960494DF}">
-                  <a14:hiddenLine xmlns:a14="http://schemas.microsoft.com/office/drawing/2010/main" xmlns="" w="9525">
+                  <a14:hiddenLine xmlns="" xmlns:a14="http://schemas.microsoft.com/office/drawing/2010/main" w="9525">
                     <a:solidFill>
                       <a:srgbClr val="000000"/>
                     </a:solidFill>
@@ -11550,7 +11550,7 @@
               </a:ln>
               <a:extLst>
                 <a:ext uri="{91240B29-F687-4f45-9708-019B960494DF}">
-                  <a14:hiddenLine xmlns:a14="http://schemas.microsoft.com/office/drawing/2010/main" xmlns="" w="9525">
+                  <a14:hiddenLine xmlns="" xmlns:a14="http://schemas.microsoft.com/office/drawing/2010/main" w="9525">
                     <a:solidFill>
                       <a:srgbClr val="000000"/>
                     </a:solidFill>
@@ -11640,7 +11640,7 @@
               </a:ln>
               <a:extLst>
                 <a:ext uri="{91240B29-F687-4f45-9708-019B960494DF}">
-                  <a14:hiddenLine xmlns:a14="http://schemas.microsoft.com/office/drawing/2010/main" xmlns="" w="9525">
+                  <a14:hiddenLine xmlns="" xmlns:a14="http://schemas.microsoft.com/office/drawing/2010/main" w="9525">
                     <a:solidFill>
                       <a:srgbClr val="000000"/>
                     </a:solidFill>
@@ -11702,7 +11702,7 @@
               </a:ln>
               <a:extLst>
                 <a:ext uri="{91240B29-F687-4f45-9708-019B960494DF}">
-                  <a14:hiddenLine xmlns:a14="http://schemas.microsoft.com/office/drawing/2010/main" xmlns="" w="9525">
+                  <a14:hiddenLine xmlns="" xmlns:a14="http://schemas.microsoft.com/office/drawing/2010/main" w="9525">
                     <a:solidFill>
                       <a:srgbClr val="000000"/>
                     </a:solidFill>
@@ -11764,7 +11764,7 @@
               </a:ln>
               <a:extLst>
                 <a:ext uri="{91240B29-F687-4f45-9708-019B960494DF}">
-                  <a14:hiddenLine xmlns:a14="http://schemas.microsoft.com/office/drawing/2010/main" xmlns="" w="9525">
+                  <a14:hiddenLine xmlns="" xmlns:a14="http://schemas.microsoft.com/office/drawing/2010/main" w="9525">
                     <a:solidFill>
                       <a:srgbClr val="000000"/>
                     </a:solidFill>
@@ -11854,7 +11854,7 @@
               </a:ln>
               <a:extLst>
                 <a:ext uri="{91240B29-F687-4f45-9708-019B960494DF}">
-                  <a14:hiddenLine xmlns:a14="http://schemas.microsoft.com/office/drawing/2010/main" xmlns="" w="9525">
+                  <a14:hiddenLine xmlns="" xmlns:a14="http://schemas.microsoft.com/office/drawing/2010/main" w="9525">
                     <a:solidFill>
                       <a:srgbClr val="000000"/>
                     </a:solidFill>
@@ -11944,7 +11944,7 @@
               </a:ln>
               <a:extLst>
                 <a:ext uri="{91240B29-F687-4f45-9708-019B960494DF}">
-                  <a14:hiddenLine xmlns:a14="http://schemas.microsoft.com/office/drawing/2010/main" xmlns="" w="9525">
+                  <a14:hiddenLine xmlns="" xmlns:a14="http://schemas.microsoft.com/office/drawing/2010/main" w="9525">
                     <a:solidFill>
                       <a:srgbClr val="000000"/>
                     </a:solidFill>
@@ -12006,7 +12006,7 @@
               </a:ln>
               <a:extLst>
                 <a:ext uri="{91240B29-F687-4f45-9708-019B960494DF}">
-                  <a14:hiddenLine xmlns:a14="http://schemas.microsoft.com/office/drawing/2010/main" xmlns="" w="9525">
+                  <a14:hiddenLine xmlns="" xmlns:a14="http://schemas.microsoft.com/office/drawing/2010/main" w="9525">
                     <a:solidFill>
                       <a:srgbClr val="000000"/>
                     </a:solidFill>
@@ -12116,7 +12116,7 @@
               </a:ln>
               <a:extLst>
                 <a:ext uri="{91240B29-F687-4f45-9708-019B960494DF}">
-                  <a14:hiddenLine xmlns:a14="http://schemas.microsoft.com/office/drawing/2010/main" xmlns="" w="9525">
+                  <a14:hiddenLine xmlns="" xmlns:a14="http://schemas.microsoft.com/office/drawing/2010/main" w="9525">
                     <a:solidFill>
                       <a:srgbClr val="000000"/>
                     </a:solidFill>
@@ -12200,7 +12200,7 @@
               </a:ln>
               <a:extLst>
                 <a:ext uri="{91240B29-F687-4f45-9708-019B960494DF}">
-                  <a14:hiddenLine xmlns:a14="http://schemas.microsoft.com/office/drawing/2010/main" xmlns="" w="9525">
+                  <a14:hiddenLine xmlns="" xmlns:a14="http://schemas.microsoft.com/office/drawing/2010/main" w="9525">
                     <a:solidFill>
                       <a:srgbClr val="000000"/>
                     </a:solidFill>
@@ -12262,7 +12262,7 @@
               </a:ln>
               <a:extLst>
                 <a:ext uri="{91240B29-F687-4f45-9708-019B960494DF}">
-                  <a14:hiddenLine xmlns:a14="http://schemas.microsoft.com/office/drawing/2010/main" xmlns="" w="9525">
+                  <a14:hiddenLine xmlns="" xmlns:a14="http://schemas.microsoft.com/office/drawing/2010/main" w="9525">
                     <a:solidFill>
                       <a:srgbClr val="000000"/>
                     </a:solidFill>
@@ -12324,7 +12324,7 @@
               </a:ln>
               <a:extLst>
                 <a:ext uri="{91240B29-F687-4f45-9708-019B960494DF}">
-                  <a14:hiddenLine xmlns:a14="http://schemas.microsoft.com/office/drawing/2010/main" xmlns="" w="9525">
+                  <a14:hiddenLine xmlns="" xmlns:a14="http://schemas.microsoft.com/office/drawing/2010/main" w="9525">
                     <a:solidFill>
                       <a:srgbClr val="000000"/>
                     </a:solidFill>
@@ -12414,7 +12414,7 @@
               </a:ln>
               <a:extLst>
                 <a:ext uri="{91240B29-F687-4f45-9708-019B960494DF}">
-                  <a14:hiddenLine xmlns:a14="http://schemas.microsoft.com/office/drawing/2010/main" xmlns="" w="9525">
+                  <a14:hiddenLine xmlns="" xmlns:a14="http://schemas.microsoft.com/office/drawing/2010/main" w="9525">
                     <a:solidFill>
                       <a:srgbClr val="000000"/>
                     </a:solidFill>
@@ -12448,7 +12448,7 @@
               </a:ln>
               <a:extLst>
                 <a:ext uri="{91240B29-F687-4f45-9708-019B960494DF}">
-                  <a14:hiddenLine xmlns:a14="http://schemas.microsoft.com/office/drawing/2010/main" xmlns="" w="9525">
+                  <a14:hiddenLine xmlns="" xmlns:a14="http://schemas.microsoft.com/office/drawing/2010/main" w="9525">
                     <a:solidFill>
                       <a:srgbClr val="000000"/>
                     </a:solidFill>
@@ -12513,7 +12513,7 @@
               </a:ln>
               <a:extLst>
                 <a:ext uri="{91240B29-F687-4f45-9708-019B960494DF}">
-                  <a14:hiddenLine xmlns:a14="http://schemas.microsoft.com/office/drawing/2010/main" xmlns="" w="9525">
+                  <a14:hiddenLine xmlns="" xmlns:a14="http://schemas.microsoft.com/office/drawing/2010/main" w="9525">
                     <a:solidFill>
                       <a:srgbClr val="000000"/>
                     </a:solidFill>
@@ -12603,7 +12603,7 @@
               </a:ln>
               <a:extLst>
                 <a:ext uri="{91240B29-F687-4f45-9708-019B960494DF}">
-                  <a14:hiddenLine xmlns:a14="http://schemas.microsoft.com/office/drawing/2010/main" xmlns="" w="9525">
+                  <a14:hiddenLine xmlns="" xmlns:a14="http://schemas.microsoft.com/office/drawing/2010/main" w="9525">
                     <a:solidFill>
                       <a:srgbClr val="000000"/>
                     </a:solidFill>
@@ -12665,7 +12665,7 @@
               </a:ln>
               <a:extLst>
                 <a:ext uri="{91240B29-F687-4f45-9708-019B960494DF}">
-                  <a14:hiddenLine xmlns:a14="http://schemas.microsoft.com/office/drawing/2010/main" xmlns="" w="9525">
+                  <a14:hiddenLine xmlns="" xmlns:a14="http://schemas.microsoft.com/office/drawing/2010/main" w="9525">
                     <a:solidFill>
                       <a:srgbClr val="000000"/>
                     </a:solidFill>
@@ -12755,7 +12755,7 @@
               </a:ln>
               <a:extLst>
                 <a:ext uri="{91240B29-F687-4f45-9708-019B960494DF}">
-                  <a14:hiddenLine xmlns:a14="http://schemas.microsoft.com/office/drawing/2010/main" xmlns="" w="9525">
+                  <a14:hiddenLine xmlns="" xmlns:a14="http://schemas.microsoft.com/office/drawing/2010/main" w="9525">
                     <a:solidFill>
                       <a:srgbClr val="000000"/>
                     </a:solidFill>
@@ -12820,7 +12820,7 @@
               </a:ln>
               <a:extLst>
                 <a:ext uri="{91240B29-F687-4f45-9708-019B960494DF}">
-                  <a14:hiddenLine xmlns:a14="http://schemas.microsoft.com/office/drawing/2010/main" xmlns="" w="9525">
+                  <a14:hiddenLine xmlns="" xmlns:a14="http://schemas.microsoft.com/office/drawing/2010/main" w="9525">
                     <a:solidFill>
                       <a:srgbClr val="000000"/>
                     </a:solidFill>
@@ -12882,7 +12882,7 @@
               </a:ln>
               <a:extLst>
                 <a:ext uri="{91240B29-F687-4f45-9708-019B960494DF}">
-                  <a14:hiddenLine xmlns:a14="http://schemas.microsoft.com/office/drawing/2010/main" xmlns="" w="9525">
+                  <a14:hiddenLine xmlns="" xmlns:a14="http://schemas.microsoft.com/office/drawing/2010/main" w="9525">
                     <a:solidFill>
                       <a:srgbClr val="000000"/>
                     </a:solidFill>
@@ -12972,7 +12972,7 @@
               </a:ln>
               <a:extLst>
                 <a:ext uri="{91240B29-F687-4f45-9708-019B960494DF}">
-                  <a14:hiddenLine xmlns:a14="http://schemas.microsoft.com/office/drawing/2010/main" xmlns="" w="9525">
+                  <a14:hiddenLine xmlns="" xmlns:a14="http://schemas.microsoft.com/office/drawing/2010/main" w="9525">
                     <a:solidFill>
                       <a:srgbClr val="000000"/>
                     </a:solidFill>
@@ -13062,7 +13062,7 @@
               </a:ln>
               <a:extLst>
                 <a:ext uri="{91240B29-F687-4f45-9708-019B960494DF}">
-                  <a14:hiddenLine xmlns:a14="http://schemas.microsoft.com/office/drawing/2010/main" xmlns="" w="9525">
+                  <a14:hiddenLine xmlns="" xmlns:a14="http://schemas.microsoft.com/office/drawing/2010/main" w="9525">
                     <a:solidFill>
                       <a:srgbClr val="000000"/>
                     </a:solidFill>
@@ -13127,7 +13127,7 @@
               </a:ln>
               <a:extLst>
                 <a:ext uri="{91240B29-F687-4f45-9708-019B960494DF}">
-                  <a14:hiddenLine xmlns:a14="http://schemas.microsoft.com/office/drawing/2010/main" xmlns="" w="9525">
+                  <a14:hiddenLine xmlns="" xmlns:a14="http://schemas.microsoft.com/office/drawing/2010/main" w="9525">
                     <a:solidFill>
                       <a:srgbClr val="000000"/>
                     </a:solidFill>
@@ -13247,7 +13247,7 @@
               </a:ln>
               <a:extLst>
                 <a:ext uri="{91240B29-F687-4f45-9708-019B960494DF}">
-                  <a14:hiddenLine xmlns:a14="http://schemas.microsoft.com/office/drawing/2010/main" xmlns="" w="9525">
+                  <a14:hiddenLine xmlns="" xmlns:a14="http://schemas.microsoft.com/office/drawing/2010/main" w="9525">
                     <a:solidFill>
                       <a:srgbClr val="000000"/>
                     </a:solidFill>
@@ -13345,7 +13345,7 @@
               </a:ln>
               <a:extLst>
                 <a:ext uri="{91240B29-F687-4f45-9708-019B960494DF}">
-                  <a14:hiddenLine xmlns:a14="http://schemas.microsoft.com/office/drawing/2010/main" xmlns="" w="9525">
+                  <a14:hiddenLine xmlns="" xmlns:a14="http://schemas.microsoft.com/office/drawing/2010/main" w="9525">
                     <a:solidFill>
                       <a:srgbClr val="000000"/>
                     </a:solidFill>
@@ -13460,7 +13460,7 @@
               </a:ln>
               <a:extLst>
                 <a:ext uri="{91240B29-F687-4f45-9708-019B960494DF}">
-                  <a14:hiddenLine xmlns:a14="http://schemas.microsoft.com/office/drawing/2010/main" xmlns="" w="9525">
+                  <a14:hiddenLine xmlns="" xmlns:a14="http://schemas.microsoft.com/office/drawing/2010/main" w="9525">
                     <a:solidFill>
                       <a:srgbClr val="000000"/>
                     </a:solidFill>
@@ -13550,7 +13550,7 @@
               </a:ln>
               <a:extLst>
                 <a:ext uri="{91240B29-F687-4f45-9708-019B960494DF}">
-                  <a14:hiddenLine xmlns:a14="http://schemas.microsoft.com/office/drawing/2010/main" xmlns="" w="9525">
+                  <a14:hiddenLine xmlns="" xmlns:a14="http://schemas.microsoft.com/office/drawing/2010/main" w="9525">
                     <a:solidFill>
                       <a:srgbClr val="000000"/>
                     </a:solidFill>
@@ -13615,7 +13615,7 @@
               </a:ln>
               <a:extLst>
                 <a:ext uri="{91240B29-F687-4f45-9708-019B960494DF}">
-                  <a14:hiddenLine xmlns:a14="http://schemas.microsoft.com/office/drawing/2010/main" xmlns="" w="9525">
+                  <a14:hiddenLine xmlns="" xmlns:a14="http://schemas.microsoft.com/office/drawing/2010/main" w="9525">
                     <a:solidFill>
                       <a:srgbClr val="000000"/>
                     </a:solidFill>
@@ -13705,7 +13705,7 @@
               </a:ln>
               <a:extLst>
                 <a:ext uri="{91240B29-F687-4f45-9708-019B960494DF}">
-                  <a14:hiddenLine xmlns:a14="http://schemas.microsoft.com/office/drawing/2010/main" xmlns="" w="9525">
+                  <a14:hiddenLine xmlns="" xmlns:a14="http://schemas.microsoft.com/office/drawing/2010/main" w="9525">
                     <a:solidFill>
                       <a:srgbClr val="000000"/>
                     </a:solidFill>
@@ -13773,7 +13773,7 @@
               </a:ln>
               <a:extLst>
                 <a:ext uri="{91240B29-F687-4f45-9708-019B960494DF}">
-                  <a14:hiddenLine xmlns:a14="http://schemas.microsoft.com/office/drawing/2010/main" xmlns="" w="9525">
+                  <a14:hiddenLine xmlns="" xmlns:a14="http://schemas.microsoft.com/office/drawing/2010/main" w="9525">
                     <a:solidFill>
                       <a:srgbClr val="000000"/>
                     </a:solidFill>
@@ -13863,7 +13863,7 @@
               </a:ln>
               <a:extLst>
                 <a:ext uri="{91240B29-F687-4f45-9708-019B960494DF}">
-                  <a14:hiddenLine xmlns:a14="http://schemas.microsoft.com/office/drawing/2010/main" xmlns="" w="9525">
+                  <a14:hiddenLine xmlns="" xmlns:a14="http://schemas.microsoft.com/office/drawing/2010/main" w="9525">
                     <a:solidFill>
                       <a:srgbClr val="000000"/>
                     </a:solidFill>
@@ -13931,7 +13931,7 @@
               </a:ln>
               <a:extLst>
                 <a:ext uri="{91240B29-F687-4f45-9708-019B960494DF}">
-                  <a14:hiddenLine xmlns:a14="http://schemas.microsoft.com/office/drawing/2010/main" xmlns="" w="9525">
+                  <a14:hiddenLine xmlns="" xmlns:a14="http://schemas.microsoft.com/office/drawing/2010/main" w="9525">
                     <a:solidFill>
                       <a:srgbClr val="000000"/>
                     </a:solidFill>
@@ -14021,7 +14021,7 @@
               </a:ln>
               <a:extLst>
                 <a:ext uri="{91240B29-F687-4f45-9708-019B960494DF}">
-                  <a14:hiddenLine xmlns:a14="http://schemas.microsoft.com/office/drawing/2010/main" xmlns="" w="9525">
+                  <a14:hiddenLine xmlns="" xmlns:a14="http://schemas.microsoft.com/office/drawing/2010/main" w="9525">
                     <a:solidFill>
                       <a:srgbClr val="000000"/>
                     </a:solidFill>
@@ -14055,7 +14055,7 @@
               </a:ln>
               <a:extLst>
                 <a:ext uri="{91240B29-F687-4f45-9708-019B960494DF}">
-                  <a14:hiddenLine xmlns:a14="http://schemas.microsoft.com/office/drawing/2010/main" xmlns="" w="9525">
+                  <a14:hiddenLine xmlns="" xmlns:a14="http://schemas.microsoft.com/office/drawing/2010/main" w="9525">
                     <a:solidFill>
                       <a:srgbClr val="000000"/>
                     </a:solidFill>
@@ -14910,6 +14910,10 @@
           </p:nvPr>
         </p:nvSpPr>
         <p:spPr>
+          <a:xfrm>
+            <a:off x="4961987" y="1282075"/>
+            <a:ext cx="3999900" cy="3416400"/>
+          </a:xfrm>
           <a:prstGeom prst="rect">
             <a:avLst/>
           </a:prstGeom>
@@ -14930,39 +14934,41 @@
               <a:buNone/>
             </a:pPr>
             <a:r>
-              <a:rPr lang="es-419"/>
+              <a:rPr lang="es-419" dirty="0"/>
               <a:t>El usuario podrá ingresar a la aplicación, siempre y cuando esté registrado.</a:t>
             </a:r>
-            <a:endParaRPr/>
+            <a:endParaRPr dirty="0"/>
           </a:p>
         </p:txBody>
       </p:sp>
       <p:pic>
         <p:nvPicPr>
-          <p:cNvPr id="62" name="Google Shape;62;p14"/>
-          <p:cNvPicPr preferRelativeResize="0"/>
+          <p:cNvPr id="3" name="Imagen 2">
+            <a:extLst>
+              <a:ext uri="{FF2B5EF4-FFF2-40B4-BE49-F238E27FC236}">
+                <a16:creationId xmlns:a16="http://schemas.microsoft.com/office/drawing/2014/main" id="{2794C2E5-1AB0-4396-B3D8-5D7059D8952A}"/>
+              </a:ext>
+            </a:extLst>
+          </p:cNvPr>
+          <p:cNvPicPr>
+            <a:picLocks noChangeAspect="1"/>
+          </p:cNvPicPr>
           <p:nvPr/>
         </p:nvPicPr>
         <p:blipFill>
-          <a:blip r:embed="rId3">
-            <a:alphaModFix/>
-          </a:blip>
+          <a:blip r:embed="rId3"/>
           <a:stretch>
             <a:fillRect/>
           </a:stretch>
         </p:blipFill>
         <p:spPr>
           <a:xfrm>
-            <a:off x="152400" y="1170125"/>
-            <a:ext cx="4527600" cy="3018400"/>
+            <a:off x="103584" y="1045478"/>
+            <a:ext cx="4610190" cy="2815670"/>
           </a:xfrm>
           <a:prstGeom prst="rect">
             <a:avLst/>
           </a:prstGeom>
-          <a:noFill/>
-          <a:ln>
-            <a:noFill/>
-          </a:ln>
         </p:spPr>
       </p:pic>
     </p:spTree>
@@ -15063,10 +15069,10 @@
               <a:buNone/>
             </a:pPr>
             <a:r>
-              <a:rPr lang="es-419"/>
-              <a:t>Esta sección contendrá el nombre, correo, contraseña, foto y fecha de nacimiento de los usuarios registrados.</a:t>
+              <a:rPr lang="es-419" dirty="0"/>
+              <a:t>Esta sección contendrá el nombre, correo, contraseña, foto y fecha de nacimiento de los usuarios registrados. (el correo es único)</a:t>
             </a:r>
-            <a:endParaRPr/>
+            <a:endParaRPr dirty="0"/>
           </a:p>
         </p:txBody>
       </p:sp>
